--- a/ppt 16-9/1168.住在新耶路撒.pptx
+++ b/ppt 16-9/1168.住在新耶路撒.pptx
@@ -5,7 +5,7 @@
     <p:sldMasterId id="2147483648" r:id="rId1"/>
   </p:sldMasterIdLst>
   <p:sldIdLst>
-    <p:sldId id="673" r:id="rId2"/>
+    <p:sldId id="675" r:id="rId2"/>
   </p:sldIdLst>
   <p:sldSz cx="12192000" cy="6858000"/>
   <p:notesSz cx="6858000" cy="9144000"/>
@@ -129,7 +129,7 @@
           <p:cNvPr id="2" name="标题 1">
             <a:extLst>
               <a:ext uri="{FF2B5EF4-FFF2-40B4-BE49-F238E27FC236}">
-                <a16:creationId xmlns:a16="http://schemas.microsoft.com/office/drawing/2014/main" id="{F4129A89-7CB0-8A9F-6330-0B63764E0582}"/>
+                <a16:creationId xmlns:a16="http://schemas.microsoft.com/office/drawing/2014/main" id="{202524DE-F470-3ED1-5B02-18184292501B}"/>
               </a:ext>
             </a:extLst>
           </p:cNvPr>
@@ -166,7 +166,7 @@
           <p:cNvPr id="3" name="副标题 2">
             <a:extLst>
               <a:ext uri="{FF2B5EF4-FFF2-40B4-BE49-F238E27FC236}">
-                <a16:creationId xmlns:a16="http://schemas.microsoft.com/office/drawing/2014/main" id="{B9DD29D7-491B-8A3A-9DF5-8E7BF39AD67A}"/>
+                <a16:creationId xmlns:a16="http://schemas.microsoft.com/office/drawing/2014/main" id="{B88E5700-3242-431F-CF22-B994B600AE70}"/>
               </a:ext>
             </a:extLst>
           </p:cNvPr>
@@ -236,7 +236,7 @@
           <p:cNvPr id="4" name="日期占位符 3">
             <a:extLst>
               <a:ext uri="{FF2B5EF4-FFF2-40B4-BE49-F238E27FC236}">
-                <a16:creationId xmlns:a16="http://schemas.microsoft.com/office/drawing/2014/main" id="{3F3A8D6E-D369-B18D-815E-652483902966}"/>
+                <a16:creationId xmlns:a16="http://schemas.microsoft.com/office/drawing/2014/main" id="{D97CEB49-AB74-3C20-32EC-85911135D294}"/>
               </a:ext>
             </a:extLst>
           </p:cNvPr>
@@ -252,7 +252,7 @@
           <a:bodyPr/>
           <a:lstStyle/>
           <a:p>
-            <a:fld id="{AEC96B65-C356-40CC-BB22-C3BD99DFCB70}" type="datetimeFigureOut">
+            <a:fld id="{A5C78EE3-348D-47F8-8EE9-F18658EF2520}" type="datetimeFigureOut">
               <a:rPr lang="zh-CN" altLang="en-US" smtClean="0"/>
               <a:t>2024/3/10</a:t>
             </a:fld>
@@ -265,7 +265,7 @@
           <p:cNvPr id="5" name="页脚占位符 4">
             <a:extLst>
               <a:ext uri="{FF2B5EF4-FFF2-40B4-BE49-F238E27FC236}">
-                <a16:creationId xmlns:a16="http://schemas.microsoft.com/office/drawing/2014/main" id="{2FF7D699-AEA7-2787-B4A2-8F25AC928864}"/>
+                <a16:creationId xmlns:a16="http://schemas.microsoft.com/office/drawing/2014/main" id="{EE02C471-8A13-4C0E-2C90-6EC2228378B4}"/>
               </a:ext>
             </a:extLst>
           </p:cNvPr>
@@ -290,7 +290,7 @@
           <p:cNvPr id="6" name="灯片编号占位符 5">
             <a:extLst>
               <a:ext uri="{FF2B5EF4-FFF2-40B4-BE49-F238E27FC236}">
-                <a16:creationId xmlns:a16="http://schemas.microsoft.com/office/drawing/2014/main" id="{1AA1DB85-F996-56DB-6D47-0D307BE000BB}"/>
+                <a16:creationId xmlns:a16="http://schemas.microsoft.com/office/drawing/2014/main" id="{FA90F8F8-781E-60EC-EA44-340F5B886183}"/>
               </a:ext>
             </a:extLst>
           </p:cNvPr>
@@ -306,7 +306,7 @@
           <a:bodyPr/>
           <a:lstStyle/>
           <a:p>
-            <a:fld id="{6B334720-7283-466A-BE29-3A90A4B77B59}" type="slidenum">
+            <a:fld id="{A418DD87-024A-4B9A-B100-E8E875CFFC17}" type="slidenum">
               <a:rPr lang="zh-CN" altLang="en-US" smtClean="0"/>
               <a:t>‹#›</a:t>
             </a:fld>
@@ -317,7 +317,7 @@
     </p:spTree>
     <p:extLst>
       <p:ext uri="{BB962C8B-B14F-4D97-AF65-F5344CB8AC3E}">
-        <p14:creationId xmlns:p14="http://schemas.microsoft.com/office/powerpoint/2010/main" val="982658153"/>
+        <p14:creationId xmlns:p14="http://schemas.microsoft.com/office/powerpoint/2010/main" val="1154810892"/>
       </p:ext>
     </p:extLst>
   </p:cSld>
@@ -349,7 +349,7 @@
           <p:cNvPr id="2" name="标题 1">
             <a:extLst>
               <a:ext uri="{FF2B5EF4-FFF2-40B4-BE49-F238E27FC236}">
-                <a16:creationId xmlns:a16="http://schemas.microsoft.com/office/drawing/2014/main" id="{59DE647B-0ED9-78C1-63DC-FD6CF2A08F68}"/>
+                <a16:creationId xmlns:a16="http://schemas.microsoft.com/office/drawing/2014/main" id="{51112804-6191-0401-05F6-4A03B088444A}"/>
               </a:ext>
             </a:extLst>
           </p:cNvPr>
@@ -377,7 +377,7 @@
           <p:cNvPr id="3" name="竖排文字占位符 2">
             <a:extLst>
               <a:ext uri="{FF2B5EF4-FFF2-40B4-BE49-F238E27FC236}">
-                <a16:creationId xmlns:a16="http://schemas.microsoft.com/office/drawing/2014/main" id="{25FB63B0-519F-F5EF-40E5-7F3CA81DD1E0}"/>
+                <a16:creationId xmlns:a16="http://schemas.microsoft.com/office/drawing/2014/main" id="{9F49897E-0E04-19EF-7105-6A3000511977}"/>
               </a:ext>
             </a:extLst>
           </p:cNvPr>
@@ -434,7 +434,7 @@
           <p:cNvPr id="4" name="日期占位符 3">
             <a:extLst>
               <a:ext uri="{FF2B5EF4-FFF2-40B4-BE49-F238E27FC236}">
-                <a16:creationId xmlns:a16="http://schemas.microsoft.com/office/drawing/2014/main" id="{96D57E58-C208-FFC6-7A88-123A2E716C2F}"/>
+                <a16:creationId xmlns:a16="http://schemas.microsoft.com/office/drawing/2014/main" id="{4C34D193-8407-678E-FA22-9B6E2B586AD9}"/>
               </a:ext>
             </a:extLst>
           </p:cNvPr>
@@ -450,7 +450,7 @@
           <a:bodyPr/>
           <a:lstStyle/>
           <a:p>
-            <a:fld id="{AEC96B65-C356-40CC-BB22-C3BD99DFCB70}" type="datetimeFigureOut">
+            <a:fld id="{A5C78EE3-348D-47F8-8EE9-F18658EF2520}" type="datetimeFigureOut">
               <a:rPr lang="zh-CN" altLang="en-US" smtClean="0"/>
               <a:t>2024/3/10</a:t>
             </a:fld>
@@ -463,7 +463,7 @@
           <p:cNvPr id="5" name="页脚占位符 4">
             <a:extLst>
               <a:ext uri="{FF2B5EF4-FFF2-40B4-BE49-F238E27FC236}">
-                <a16:creationId xmlns:a16="http://schemas.microsoft.com/office/drawing/2014/main" id="{7AFD1C2D-FBCD-3AFB-0077-A80386D0A18D}"/>
+                <a16:creationId xmlns:a16="http://schemas.microsoft.com/office/drawing/2014/main" id="{8C60FE33-5178-1240-D577-0EC2DA2D610D}"/>
               </a:ext>
             </a:extLst>
           </p:cNvPr>
@@ -488,7 +488,7 @@
           <p:cNvPr id="6" name="灯片编号占位符 5">
             <a:extLst>
               <a:ext uri="{FF2B5EF4-FFF2-40B4-BE49-F238E27FC236}">
-                <a16:creationId xmlns:a16="http://schemas.microsoft.com/office/drawing/2014/main" id="{28864CD6-42BB-F1E7-C6B0-4D51A31725F6}"/>
+                <a16:creationId xmlns:a16="http://schemas.microsoft.com/office/drawing/2014/main" id="{A279A894-8F7E-3677-3E48-1C9F93ACFA3F}"/>
               </a:ext>
             </a:extLst>
           </p:cNvPr>
@@ -504,7 +504,7 @@
           <a:bodyPr/>
           <a:lstStyle/>
           <a:p>
-            <a:fld id="{6B334720-7283-466A-BE29-3A90A4B77B59}" type="slidenum">
+            <a:fld id="{A418DD87-024A-4B9A-B100-E8E875CFFC17}" type="slidenum">
               <a:rPr lang="zh-CN" altLang="en-US" smtClean="0"/>
               <a:t>‹#›</a:t>
             </a:fld>
@@ -515,7 +515,7 @@
     </p:spTree>
     <p:extLst>
       <p:ext uri="{BB962C8B-B14F-4D97-AF65-F5344CB8AC3E}">
-        <p14:creationId xmlns:p14="http://schemas.microsoft.com/office/powerpoint/2010/main" val="2272296043"/>
+        <p14:creationId xmlns:p14="http://schemas.microsoft.com/office/powerpoint/2010/main" val="3886247639"/>
       </p:ext>
     </p:extLst>
   </p:cSld>
@@ -547,7 +547,7 @@
           <p:cNvPr id="2" name="竖排标题 1">
             <a:extLst>
               <a:ext uri="{FF2B5EF4-FFF2-40B4-BE49-F238E27FC236}">
-                <a16:creationId xmlns:a16="http://schemas.microsoft.com/office/drawing/2014/main" id="{13F88A8A-3835-F45E-33BC-9586BD1F563C}"/>
+                <a16:creationId xmlns:a16="http://schemas.microsoft.com/office/drawing/2014/main" id="{2B684D25-3B4E-2ADD-A089-1C374A6FEA2F}"/>
               </a:ext>
             </a:extLst>
           </p:cNvPr>
@@ -580,7 +580,7 @@
           <p:cNvPr id="3" name="竖排文字占位符 2">
             <a:extLst>
               <a:ext uri="{FF2B5EF4-FFF2-40B4-BE49-F238E27FC236}">
-                <a16:creationId xmlns:a16="http://schemas.microsoft.com/office/drawing/2014/main" id="{1ECB2DB1-3366-ABDA-A060-17A6BECB9E2A}"/>
+                <a16:creationId xmlns:a16="http://schemas.microsoft.com/office/drawing/2014/main" id="{2A934591-34D1-A5BB-C6BE-28F71377F4A9}"/>
               </a:ext>
             </a:extLst>
           </p:cNvPr>
@@ -642,7 +642,7 @@
           <p:cNvPr id="4" name="日期占位符 3">
             <a:extLst>
               <a:ext uri="{FF2B5EF4-FFF2-40B4-BE49-F238E27FC236}">
-                <a16:creationId xmlns:a16="http://schemas.microsoft.com/office/drawing/2014/main" id="{EEA7D04C-F5CA-84DD-1C24-6466D54E81A2}"/>
+                <a16:creationId xmlns:a16="http://schemas.microsoft.com/office/drawing/2014/main" id="{E26EF83B-BE5C-6379-DA93-3ED50B02EBB6}"/>
               </a:ext>
             </a:extLst>
           </p:cNvPr>
@@ -658,7 +658,7 @@
           <a:bodyPr/>
           <a:lstStyle/>
           <a:p>
-            <a:fld id="{AEC96B65-C356-40CC-BB22-C3BD99DFCB70}" type="datetimeFigureOut">
+            <a:fld id="{A5C78EE3-348D-47F8-8EE9-F18658EF2520}" type="datetimeFigureOut">
               <a:rPr lang="zh-CN" altLang="en-US" smtClean="0"/>
               <a:t>2024/3/10</a:t>
             </a:fld>
@@ -671,7 +671,7 @@
           <p:cNvPr id="5" name="页脚占位符 4">
             <a:extLst>
               <a:ext uri="{FF2B5EF4-FFF2-40B4-BE49-F238E27FC236}">
-                <a16:creationId xmlns:a16="http://schemas.microsoft.com/office/drawing/2014/main" id="{B7D221A9-63CF-34B5-28F1-8274CEE5BF72}"/>
+                <a16:creationId xmlns:a16="http://schemas.microsoft.com/office/drawing/2014/main" id="{52DDB5C5-B990-631A-2A7E-E8068E854999}"/>
               </a:ext>
             </a:extLst>
           </p:cNvPr>
@@ -696,7 +696,7 @@
           <p:cNvPr id="6" name="灯片编号占位符 5">
             <a:extLst>
               <a:ext uri="{FF2B5EF4-FFF2-40B4-BE49-F238E27FC236}">
-                <a16:creationId xmlns:a16="http://schemas.microsoft.com/office/drawing/2014/main" id="{5E864540-BF1E-016B-BEBA-8FD494761B74}"/>
+                <a16:creationId xmlns:a16="http://schemas.microsoft.com/office/drawing/2014/main" id="{6134DA8C-D85F-BD66-1BDD-EE00C420F83B}"/>
               </a:ext>
             </a:extLst>
           </p:cNvPr>
@@ -712,7 +712,7 @@
           <a:bodyPr/>
           <a:lstStyle/>
           <a:p>
-            <a:fld id="{6B334720-7283-466A-BE29-3A90A4B77B59}" type="slidenum">
+            <a:fld id="{A418DD87-024A-4B9A-B100-E8E875CFFC17}" type="slidenum">
               <a:rPr lang="zh-CN" altLang="en-US" smtClean="0"/>
               <a:t>‹#›</a:t>
             </a:fld>
@@ -723,7 +723,7 @@
     </p:spTree>
     <p:extLst>
       <p:ext uri="{BB962C8B-B14F-4D97-AF65-F5344CB8AC3E}">
-        <p14:creationId xmlns:p14="http://schemas.microsoft.com/office/powerpoint/2010/main" val="1233266911"/>
+        <p14:creationId xmlns:p14="http://schemas.microsoft.com/office/powerpoint/2010/main" val="2075424016"/>
       </p:ext>
     </p:extLst>
   </p:cSld>
@@ -755,7 +755,7 @@
           <p:cNvPr id="2" name="标题 1">
             <a:extLst>
               <a:ext uri="{FF2B5EF4-FFF2-40B4-BE49-F238E27FC236}">
-                <a16:creationId xmlns:a16="http://schemas.microsoft.com/office/drawing/2014/main" id="{D75E32E0-834D-9140-0455-934D0EF3DED8}"/>
+                <a16:creationId xmlns:a16="http://schemas.microsoft.com/office/drawing/2014/main" id="{618D94F6-0A6E-AAF5-0B98-731AEAFB5CE9}"/>
               </a:ext>
             </a:extLst>
           </p:cNvPr>
@@ -783,7 +783,7 @@
           <p:cNvPr id="3" name="内容占位符 2">
             <a:extLst>
               <a:ext uri="{FF2B5EF4-FFF2-40B4-BE49-F238E27FC236}">
-                <a16:creationId xmlns:a16="http://schemas.microsoft.com/office/drawing/2014/main" id="{1B0AF584-D933-5123-B97C-33A6A87D3963}"/>
+                <a16:creationId xmlns:a16="http://schemas.microsoft.com/office/drawing/2014/main" id="{AE268C8D-B5AF-DDF5-C018-7C37B7AF56FA}"/>
               </a:ext>
             </a:extLst>
           </p:cNvPr>
@@ -840,7 +840,7 @@
           <p:cNvPr id="4" name="日期占位符 3">
             <a:extLst>
               <a:ext uri="{FF2B5EF4-FFF2-40B4-BE49-F238E27FC236}">
-                <a16:creationId xmlns:a16="http://schemas.microsoft.com/office/drawing/2014/main" id="{B5AEE04A-712C-F4E2-0101-D2EF5B5E0184}"/>
+                <a16:creationId xmlns:a16="http://schemas.microsoft.com/office/drawing/2014/main" id="{3006A9CF-9A90-8783-4A81-8D0E5451DB08}"/>
               </a:ext>
             </a:extLst>
           </p:cNvPr>
@@ -856,7 +856,7 @@
           <a:bodyPr/>
           <a:lstStyle/>
           <a:p>
-            <a:fld id="{AEC96B65-C356-40CC-BB22-C3BD99DFCB70}" type="datetimeFigureOut">
+            <a:fld id="{A5C78EE3-348D-47F8-8EE9-F18658EF2520}" type="datetimeFigureOut">
               <a:rPr lang="zh-CN" altLang="en-US" smtClean="0"/>
               <a:t>2024/3/10</a:t>
             </a:fld>
@@ -869,7 +869,7 @@
           <p:cNvPr id="5" name="页脚占位符 4">
             <a:extLst>
               <a:ext uri="{FF2B5EF4-FFF2-40B4-BE49-F238E27FC236}">
-                <a16:creationId xmlns:a16="http://schemas.microsoft.com/office/drawing/2014/main" id="{AA7E8185-81C8-BED3-2789-77041AC19179}"/>
+                <a16:creationId xmlns:a16="http://schemas.microsoft.com/office/drawing/2014/main" id="{151B8E5B-B279-ACC3-8B71-2154E3CF00AC}"/>
               </a:ext>
             </a:extLst>
           </p:cNvPr>
@@ -894,7 +894,7 @@
           <p:cNvPr id="6" name="灯片编号占位符 5">
             <a:extLst>
               <a:ext uri="{FF2B5EF4-FFF2-40B4-BE49-F238E27FC236}">
-                <a16:creationId xmlns:a16="http://schemas.microsoft.com/office/drawing/2014/main" id="{8EAA95FE-F5CC-84BB-55CD-BA66506B7DDD}"/>
+                <a16:creationId xmlns:a16="http://schemas.microsoft.com/office/drawing/2014/main" id="{C5BA1F0D-7037-4DFE-D92F-B432CBC3FCBD}"/>
               </a:ext>
             </a:extLst>
           </p:cNvPr>
@@ -910,7 +910,7 @@
           <a:bodyPr/>
           <a:lstStyle/>
           <a:p>
-            <a:fld id="{6B334720-7283-466A-BE29-3A90A4B77B59}" type="slidenum">
+            <a:fld id="{A418DD87-024A-4B9A-B100-E8E875CFFC17}" type="slidenum">
               <a:rPr lang="zh-CN" altLang="en-US" smtClean="0"/>
               <a:t>‹#›</a:t>
             </a:fld>
@@ -921,7 +921,7 @@
     </p:spTree>
     <p:extLst>
       <p:ext uri="{BB962C8B-B14F-4D97-AF65-F5344CB8AC3E}">
-        <p14:creationId xmlns:p14="http://schemas.microsoft.com/office/powerpoint/2010/main" val="4246875295"/>
+        <p14:creationId xmlns:p14="http://schemas.microsoft.com/office/powerpoint/2010/main" val="627291248"/>
       </p:ext>
     </p:extLst>
   </p:cSld>
@@ -953,7 +953,7 @@
           <p:cNvPr id="2" name="标题 1">
             <a:extLst>
               <a:ext uri="{FF2B5EF4-FFF2-40B4-BE49-F238E27FC236}">
-                <a16:creationId xmlns:a16="http://schemas.microsoft.com/office/drawing/2014/main" id="{20DFBA89-EB82-EB12-DD14-B9F8588E0460}"/>
+                <a16:creationId xmlns:a16="http://schemas.microsoft.com/office/drawing/2014/main" id="{1E49111F-4660-4F90-6BDE-AC7C0393977A}"/>
               </a:ext>
             </a:extLst>
           </p:cNvPr>
@@ -990,7 +990,7 @@
           <p:cNvPr id="3" name="文本占位符 2">
             <a:extLst>
               <a:ext uri="{FF2B5EF4-FFF2-40B4-BE49-F238E27FC236}">
-                <a16:creationId xmlns:a16="http://schemas.microsoft.com/office/drawing/2014/main" id="{85E993CA-49CA-8CD2-394B-986DA3038974}"/>
+                <a16:creationId xmlns:a16="http://schemas.microsoft.com/office/drawing/2014/main" id="{1D2A24DD-2FB3-BD7F-6887-AA096F03AA9D}"/>
               </a:ext>
             </a:extLst>
           </p:cNvPr>
@@ -1115,7 +1115,7 @@
           <p:cNvPr id="4" name="日期占位符 3">
             <a:extLst>
               <a:ext uri="{FF2B5EF4-FFF2-40B4-BE49-F238E27FC236}">
-                <a16:creationId xmlns:a16="http://schemas.microsoft.com/office/drawing/2014/main" id="{6E4D662D-AF8B-2C44-4ABB-43B0541B6855}"/>
+                <a16:creationId xmlns:a16="http://schemas.microsoft.com/office/drawing/2014/main" id="{2D4B130C-E4B8-892C-1993-CB3D86513CF3}"/>
               </a:ext>
             </a:extLst>
           </p:cNvPr>
@@ -1131,7 +1131,7 @@
           <a:bodyPr/>
           <a:lstStyle/>
           <a:p>
-            <a:fld id="{AEC96B65-C356-40CC-BB22-C3BD99DFCB70}" type="datetimeFigureOut">
+            <a:fld id="{A5C78EE3-348D-47F8-8EE9-F18658EF2520}" type="datetimeFigureOut">
               <a:rPr lang="zh-CN" altLang="en-US" smtClean="0"/>
               <a:t>2024/3/10</a:t>
             </a:fld>
@@ -1144,7 +1144,7 @@
           <p:cNvPr id="5" name="页脚占位符 4">
             <a:extLst>
               <a:ext uri="{FF2B5EF4-FFF2-40B4-BE49-F238E27FC236}">
-                <a16:creationId xmlns:a16="http://schemas.microsoft.com/office/drawing/2014/main" id="{6D0C4DA7-7648-653C-4F95-EB3C6282CC1D}"/>
+                <a16:creationId xmlns:a16="http://schemas.microsoft.com/office/drawing/2014/main" id="{1932C6E2-5931-19CF-4C6B-4EBF0B0C57D5}"/>
               </a:ext>
             </a:extLst>
           </p:cNvPr>
@@ -1169,7 +1169,7 @@
           <p:cNvPr id="6" name="灯片编号占位符 5">
             <a:extLst>
               <a:ext uri="{FF2B5EF4-FFF2-40B4-BE49-F238E27FC236}">
-                <a16:creationId xmlns:a16="http://schemas.microsoft.com/office/drawing/2014/main" id="{7CA8C7AD-8F01-15A8-B8FD-0BA0D8A024D6}"/>
+                <a16:creationId xmlns:a16="http://schemas.microsoft.com/office/drawing/2014/main" id="{FF1D305E-F8C0-A910-F006-AE0AA1C34235}"/>
               </a:ext>
             </a:extLst>
           </p:cNvPr>
@@ -1185,7 +1185,7 @@
           <a:bodyPr/>
           <a:lstStyle/>
           <a:p>
-            <a:fld id="{6B334720-7283-466A-BE29-3A90A4B77B59}" type="slidenum">
+            <a:fld id="{A418DD87-024A-4B9A-B100-E8E875CFFC17}" type="slidenum">
               <a:rPr lang="zh-CN" altLang="en-US" smtClean="0"/>
               <a:t>‹#›</a:t>
             </a:fld>
@@ -1196,7 +1196,7 @@
     </p:spTree>
     <p:extLst>
       <p:ext uri="{BB962C8B-B14F-4D97-AF65-F5344CB8AC3E}">
-        <p14:creationId xmlns:p14="http://schemas.microsoft.com/office/powerpoint/2010/main" val="3899210428"/>
+        <p14:creationId xmlns:p14="http://schemas.microsoft.com/office/powerpoint/2010/main" val="2142785136"/>
       </p:ext>
     </p:extLst>
   </p:cSld>
@@ -1228,7 +1228,7 @@
           <p:cNvPr id="2" name="标题 1">
             <a:extLst>
               <a:ext uri="{FF2B5EF4-FFF2-40B4-BE49-F238E27FC236}">
-                <a16:creationId xmlns:a16="http://schemas.microsoft.com/office/drawing/2014/main" id="{C593E2A8-59BF-7CED-2281-2B11FDD07D90}"/>
+                <a16:creationId xmlns:a16="http://schemas.microsoft.com/office/drawing/2014/main" id="{AD43BD36-082D-FABA-53A4-67A4B358DA19}"/>
               </a:ext>
             </a:extLst>
           </p:cNvPr>
@@ -1256,7 +1256,7 @@
           <p:cNvPr id="3" name="内容占位符 2">
             <a:extLst>
               <a:ext uri="{FF2B5EF4-FFF2-40B4-BE49-F238E27FC236}">
-                <a16:creationId xmlns:a16="http://schemas.microsoft.com/office/drawing/2014/main" id="{7223D64E-7F8E-E37D-7B76-E1E628B339B1}"/>
+                <a16:creationId xmlns:a16="http://schemas.microsoft.com/office/drawing/2014/main" id="{295F366B-B338-0F48-79DB-A744BDBF5F75}"/>
               </a:ext>
             </a:extLst>
           </p:cNvPr>
@@ -1318,7 +1318,7 @@
           <p:cNvPr id="4" name="内容占位符 3">
             <a:extLst>
               <a:ext uri="{FF2B5EF4-FFF2-40B4-BE49-F238E27FC236}">
-                <a16:creationId xmlns:a16="http://schemas.microsoft.com/office/drawing/2014/main" id="{BE1D8F25-DC5F-B7B7-BBBF-5BDF026FDAF4}"/>
+                <a16:creationId xmlns:a16="http://schemas.microsoft.com/office/drawing/2014/main" id="{5E3C59D5-63A1-DBE8-04EF-A439A7E0E4FD}"/>
               </a:ext>
             </a:extLst>
           </p:cNvPr>
@@ -1380,7 +1380,7 @@
           <p:cNvPr id="5" name="日期占位符 4">
             <a:extLst>
               <a:ext uri="{FF2B5EF4-FFF2-40B4-BE49-F238E27FC236}">
-                <a16:creationId xmlns:a16="http://schemas.microsoft.com/office/drawing/2014/main" id="{8A9779C1-AED7-331A-2F85-88BF95AEBFBB}"/>
+                <a16:creationId xmlns:a16="http://schemas.microsoft.com/office/drawing/2014/main" id="{9A676050-3B98-E672-FBB7-0CCB91DC7526}"/>
               </a:ext>
             </a:extLst>
           </p:cNvPr>
@@ -1396,7 +1396,7 @@
           <a:bodyPr/>
           <a:lstStyle/>
           <a:p>
-            <a:fld id="{AEC96B65-C356-40CC-BB22-C3BD99DFCB70}" type="datetimeFigureOut">
+            <a:fld id="{A5C78EE3-348D-47F8-8EE9-F18658EF2520}" type="datetimeFigureOut">
               <a:rPr lang="zh-CN" altLang="en-US" smtClean="0"/>
               <a:t>2024/3/10</a:t>
             </a:fld>
@@ -1409,7 +1409,7 @@
           <p:cNvPr id="6" name="页脚占位符 5">
             <a:extLst>
               <a:ext uri="{FF2B5EF4-FFF2-40B4-BE49-F238E27FC236}">
-                <a16:creationId xmlns:a16="http://schemas.microsoft.com/office/drawing/2014/main" id="{B282186F-E00E-E5F4-39D3-95F85270E5E2}"/>
+                <a16:creationId xmlns:a16="http://schemas.microsoft.com/office/drawing/2014/main" id="{0A418AD3-498E-7B97-6ACF-0CF19B36E774}"/>
               </a:ext>
             </a:extLst>
           </p:cNvPr>
@@ -1434,7 +1434,7 @@
           <p:cNvPr id="7" name="灯片编号占位符 6">
             <a:extLst>
               <a:ext uri="{FF2B5EF4-FFF2-40B4-BE49-F238E27FC236}">
-                <a16:creationId xmlns:a16="http://schemas.microsoft.com/office/drawing/2014/main" id="{D4E75CF8-ADF7-BBDE-B942-0EEE241B8CDF}"/>
+                <a16:creationId xmlns:a16="http://schemas.microsoft.com/office/drawing/2014/main" id="{98E1F853-4499-A038-A470-34601C43A029}"/>
               </a:ext>
             </a:extLst>
           </p:cNvPr>
@@ -1450,7 +1450,7 @@
           <a:bodyPr/>
           <a:lstStyle/>
           <a:p>
-            <a:fld id="{6B334720-7283-466A-BE29-3A90A4B77B59}" type="slidenum">
+            <a:fld id="{A418DD87-024A-4B9A-B100-E8E875CFFC17}" type="slidenum">
               <a:rPr lang="zh-CN" altLang="en-US" smtClean="0"/>
               <a:t>‹#›</a:t>
             </a:fld>
@@ -1461,7 +1461,7 @@
     </p:spTree>
     <p:extLst>
       <p:ext uri="{BB962C8B-B14F-4D97-AF65-F5344CB8AC3E}">
-        <p14:creationId xmlns:p14="http://schemas.microsoft.com/office/powerpoint/2010/main" val="2738365326"/>
+        <p14:creationId xmlns:p14="http://schemas.microsoft.com/office/powerpoint/2010/main" val="3096606913"/>
       </p:ext>
     </p:extLst>
   </p:cSld>
@@ -1493,7 +1493,7 @@
           <p:cNvPr id="2" name="标题 1">
             <a:extLst>
               <a:ext uri="{FF2B5EF4-FFF2-40B4-BE49-F238E27FC236}">
-                <a16:creationId xmlns:a16="http://schemas.microsoft.com/office/drawing/2014/main" id="{BEA96387-A7BD-8ECF-20A1-00E0772C7E46}"/>
+                <a16:creationId xmlns:a16="http://schemas.microsoft.com/office/drawing/2014/main" id="{E0A474B3-5154-FB95-C7B0-6C150B6B8C8D}"/>
               </a:ext>
             </a:extLst>
           </p:cNvPr>
@@ -1526,7 +1526,7 @@
           <p:cNvPr id="3" name="文本占位符 2">
             <a:extLst>
               <a:ext uri="{FF2B5EF4-FFF2-40B4-BE49-F238E27FC236}">
-                <a16:creationId xmlns:a16="http://schemas.microsoft.com/office/drawing/2014/main" id="{7B1E81C1-553D-0550-AE54-5CA1D8FF9255}"/>
+                <a16:creationId xmlns:a16="http://schemas.microsoft.com/office/drawing/2014/main" id="{F7D13C7E-8853-6276-10FF-5375DC6F2DA4}"/>
               </a:ext>
             </a:extLst>
           </p:cNvPr>
@@ -1597,7 +1597,7 @@
           <p:cNvPr id="4" name="内容占位符 3">
             <a:extLst>
               <a:ext uri="{FF2B5EF4-FFF2-40B4-BE49-F238E27FC236}">
-                <a16:creationId xmlns:a16="http://schemas.microsoft.com/office/drawing/2014/main" id="{A01D1E52-9DA4-85E0-1107-06DEEFA8D0CA}"/>
+                <a16:creationId xmlns:a16="http://schemas.microsoft.com/office/drawing/2014/main" id="{A2CF8D46-42AF-9E67-B7D3-0C0EE2D93B95}"/>
               </a:ext>
             </a:extLst>
           </p:cNvPr>
@@ -1659,7 +1659,7 @@
           <p:cNvPr id="5" name="文本占位符 4">
             <a:extLst>
               <a:ext uri="{FF2B5EF4-FFF2-40B4-BE49-F238E27FC236}">
-                <a16:creationId xmlns:a16="http://schemas.microsoft.com/office/drawing/2014/main" id="{0FF691AC-3A8E-DFC4-6DB4-53F42BF77B71}"/>
+                <a16:creationId xmlns:a16="http://schemas.microsoft.com/office/drawing/2014/main" id="{752137F2-5FED-E41D-FE11-B89BF6E383CB}"/>
               </a:ext>
             </a:extLst>
           </p:cNvPr>
@@ -1730,7 +1730,7 @@
           <p:cNvPr id="6" name="内容占位符 5">
             <a:extLst>
               <a:ext uri="{FF2B5EF4-FFF2-40B4-BE49-F238E27FC236}">
-                <a16:creationId xmlns:a16="http://schemas.microsoft.com/office/drawing/2014/main" id="{8CA56FF9-506B-BD61-6CB4-0CB4A846D870}"/>
+                <a16:creationId xmlns:a16="http://schemas.microsoft.com/office/drawing/2014/main" id="{862C182A-1911-EC51-CC55-8C34458C379C}"/>
               </a:ext>
             </a:extLst>
           </p:cNvPr>
@@ -1792,7 +1792,7 @@
           <p:cNvPr id="7" name="日期占位符 6">
             <a:extLst>
               <a:ext uri="{FF2B5EF4-FFF2-40B4-BE49-F238E27FC236}">
-                <a16:creationId xmlns:a16="http://schemas.microsoft.com/office/drawing/2014/main" id="{EBC69B80-E8C7-B27E-7700-B634BFF66819}"/>
+                <a16:creationId xmlns:a16="http://schemas.microsoft.com/office/drawing/2014/main" id="{65B2B72A-D7C0-768B-EB54-8AFAC05DD3F7}"/>
               </a:ext>
             </a:extLst>
           </p:cNvPr>
@@ -1808,7 +1808,7 @@
           <a:bodyPr/>
           <a:lstStyle/>
           <a:p>
-            <a:fld id="{AEC96B65-C356-40CC-BB22-C3BD99DFCB70}" type="datetimeFigureOut">
+            <a:fld id="{A5C78EE3-348D-47F8-8EE9-F18658EF2520}" type="datetimeFigureOut">
               <a:rPr lang="zh-CN" altLang="en-US" smtClean="0"/>
               <a:t>2024/3/10</a:t>
             </a:fld>
@@ -1821,7 +1821,7 @@
           <p:cNvPr id="8" name="页脚占位符 7">
             <a:extLst>
               <a:ext uri="{FF2B5EF4-FFF2-40B4-BE49-F238E27FC236}">
-                <a16:creationId xmlns:a16="http://schemas.microsoft.com/office/drawing/2014/main" id="{B63B2712-DA29-4F4D-B7E0-77BB53F18D8E}"/>
+                <a16:creationId xmlns:a16="http://schemas.microsoft.com/office/drawing/2014/main" id="{D31BD94F-525B-625A-00BE-A6A4F2E8DBB0}"/>
               </a:ext>
             </a:extLst>
           </p:cNvPr>
@@ -1846,7 +1846,7 @@
           <p:cNvPr id="9" name="灯片编号占位符 8">
             <a:extLst>
               <a:ext uri="{FF2B5EF4-FFF2-40B4-BE49-F238E27FC236}">
-                <a16:creationId xmlns:a16="http://schemas.microsoft.com/office/drawing/2014/main" id="{BEB52DFC-E7D3-DA5D-F76C-6CFD8C68EB4B}"/>
+                <a16:creationId xmlns:a16="http://schemas.microsoft.com/office/drawing/2014/main" id="{F0A4AA06-3D76-9701-0F0F-14A86117E0CA}"/>
               </a:ext>
             </a:extLst>
           </p:cNvPr>
@@ -1862,7 +1862,7 @@
           <a:bodyPr/>
           <a:lstStyle/>
           <a:p>
-            <a:fld id="{6B334720-7283-466A-BE29-3A90A4B77B59}" type="slidenum">
+            <a:fld id="{A418DD87-024A-4B9A-B100-E8E875CFFC17}" type="slidenum">
               <a:rPr lang="zh-CN" altLang="en-US" smtClean="0"/>
               <a:t>‹#›</a:t>
             </a:fld>
@@ -1873,7 +1873,7 @@
     </p:spTree>
     <p:extLst>
       <p:ext uri="{BB962C8B-B14F-4D97-AF65-F5344CB8AC3E}">
-        <p14:creationId xmlns:p14="http://schemas.microsoft.com/office/powerpoint/2010/main" val="1035525229"/>
+        <p14:creationId xmlns:p14="http://schemas.microsoft.com/office/powerpoint/2010/main" val="1990467670"/>
       </p:ext>
     </p:extLst>
   </p:cSld>
@@ -1905,7 +1905,7 @@
           <p:cNvPr id="2" name="标题 1">
             <a:extLst>
               <a:ext uri="{FF2B5EF4-FFF2-40B4-BE49-F238E27FC236}">
-                <a16:creationId xmlns:a16="http://schemas.microsoft.com/office/drawing/2014/main" id="{C41A149C-CD2D-B349-AF73-7A0AB874A4E7}"/>
+                <a16:creationId xmlns:a16="http://schemas.microsoft.com/office/drawing/2014/main" id="{BA7EBCFB-46FD-A171-5F4E-A35BF6B1029E}"/>
               </a:ext>
             </a:extLst>
           </p:cNvPr>
@@ -1933,7 +1933,7 @@
           <p:cNvPr id="3" name="日期占位符 2">
             <a:extLst>
               <a:ext uri="{FF2B5EF4-FFF2-40B4-BE49-F238E27FC236}">
-                <a16:creationId xmlns:a16="http://schemas.microsoft.com/office/drawing/2014/main" id="{427FC993-7CDE-9147-A8E1-270670F5C2CC}"/>
+                <a16:creationId xmlns:a16="http://schemas.microsoft.com/office/drawing/2014/main" id="{8CD56FED-CCEB-A68B-501B-FE76C308D7FC}"/>
               </a:ext>
             </a:extLst>
           </p:cNvPr>
@@ -1949,7 +1949,7 @@
           <a:bodyPr/>
           <a:lstStyle/>
           <a:p>
-            <a:fld id="{AEC96B65-C356-40CC-BB22-C3BD99DFCB70}" type="datetimeFigureOut">
+            <a:fld id="{A5C78EE3-348D-47F8-8EE9-F18658EF2520}" type="datetimeFigureOut">
               <a:rPr lang="zh-CN" altLang="en-US" smtClean="0"/>
               <a:t>2024/3/10</a:t>
             </a:fld>
@@ -1962,7 +1962,7 @@
           <p:cNvPr id="4" name="页脚占位符 3">
             <a:extLst>
               <a:ext uri="{FF2B5EF4-FFF2-40B4-BE49-F238E27FC236}">
-                <a16:creationId xmlns:a16="http://schemas.microsoft.com/office/drawing/2014/main" id="{D633E07D-D714-9C81-59B6-AFC7B1592428}"/>
+                <a16:creationId xmlns:a16="http://schemas.microsoft.com/office/drawing/2014/main" id="{0E405A6F-2ECC-CD6B-FC1B-057ADA1266F4}"/>
               </a:ext>
             </a:extLst>
           </p:cNvPr>
@@ -1987,7 +1987,7 @@
           <p:cNvPr id="5" name="灯片编号占位符 4">
             <a:extLst>
               <a:ext uri="{FF2B5EF4-FFF2-40B4-BE49-F238E27FC236}">
-                <a16:creationId xmlns:a16="http://schemas.microsoft.com/office/drawing/2014/main" id="{5CFA7D04-2170-56F2-9A48-FE93C05BA6D5}"/>
+                <a16:creationId xmlns:a16="http://schemas.microsoft.com/office/drawing/2014/main" id="{31D2AE96-BFE2-BE9B-FA97-E37236323982}"/>
               </a:ext>
             </a:extLst>
           </p:cNvPr>
@@ -2003,7 +2003,7 @@
           <a:bodyPr/>
           <a:lstStyle/>
           <a:p>
-            <a:fld id="{6B334720-7283-466A-BE29-3A90A4B77B59}" type="slidenum">
+            <a:fld id="{A418DD87-024A-4B9A-B100-E8E875CFFC17}" type="slidenum">
               <a:rPr lang="zh-CN" altLang="en-US" smtClean="0"/>
               <a:t>‹#›</a:t>
             </a:fld>
@@ -2014,7 +2014,7 @@
     </p:spTree>
     <p:extLst>
       <p:ext uri="{BB962C8B-B14F-4D97-AF65-F5344CB8AC3E}">
-        <p14:creationId xmlns:p14="http://schemas.microsoft.com/office/powerpoint/2010/main" val="2945261417"/>
+        <p14:creationId xmlns:p14="http://schemas.microsoft.com/office/powerpoint/2010/main" val="1024977501"/>
       </p:ext>
     </p:extLst>
   </p:cSld>
@@ -2046,7 +2046,7 @@
           <p:cNvPr id="2" name="日期占位符 1">
             <a:extLst>
               <a:ext uri="{FF2B5EF4-FFF2-40B4-BE49-F238E27FC236}">
-                <a16:creationId xmlns:a16="http://schemas.microsoft.com/office/drawing/2014/main" id="{54F6A864-8D34-1383-BE38-902DD5C0C456}"/>
+                <a16:creationId xmlns:a16="http://schemas.microsoft.com/office/drawing/2014/main" id="{DDE1A5FE-1518-BA9B-054B-DFA6D3AC1A92}"/>
               </a:ext>
             </a:extLst>
           </p:cNvPr>
@@ -2062,7 +2062,7 @@
           <a:bodyPr/>
           <a:lstStyle/>
           <a:p>
-            <a:fld id="{AEC96B65-C356-40CC-BB22-C3BD99DFCB70}" type="datetimeFigureOut">
+            <a:fld id="{A5C78EE3-348D-47F8-8EE9-F18658EF2520}" type="datetimeFigureOut">
               <a:rPr lang="zh-CN" altLang="en-US" smtClean="0"/>
               <a:t>2024/3/10</a:t>
             </a:fld>
@@ -2075,7 +2075,7 @@
           <p:cNvPr id="3" name="页脚占位符 2">
             <a:extLst>
               <a:ext uri="{FF2B5EF4-FFF2-40B4-BE49-F238E27FC236}">
-                <a16:creationId xmlns:a16="http://schemas.microsoft.com/office/drawing/2014/main" id="{608E0E48-DD63-6286-4FCA-024D6C502108}"/>
+                <a16:creationId xmlns:a16="http://schemas.microsoft.com/office/drawing/2014/main" id="{514C6CFB-AC69-21AE-E130-66C43AB4CBCE}"/>
               </a:ext>
             </a:extLst>
           </p:cNvPr>
@@ -2100,7 +2100,7 @@
           <p:cNvPr id="4" name="灯片编号占位符 3">
             <a:extLst>
               <a:ext uri="{FF2B5EF4-FFF2-40B4-BE49-F238E27FC236}">
-                <a16:creationId xmlns:a16="http://schemas.microsoft.com/office/drawing/2014/main" id="{0F6B8F63-2D17-1ACE-4BB1-CCB50BCDC266}"/>
+                <a16:creationId xmlns:a16="http://schemas.microsoft.com/office/drawing/2014/main" id="{DD24D2DF-468A-8DE2-C461-CEDA9F783D4B}"/>
               </a:ext>
             </a:extLst>
           </p:cNvPr>
@@ -2116,7 +2116,7 @@
           <a:bodyPr/>
           <a:lstStyle/>
           <a:p>
-            <a:fld id="{6B334720-7283-466A-BE29-3A90A4B77B59}" type="slidenum">
+            <a:fld id="{A418DD87-024A-4B9A-B100-E8E875CFFC17}" type="slidenum">
               <a:rPr lang="zh-CN" altLang="en-US" smtClean="0"/>
               <a:t>‹#›</a:t>
             </a:fld>
@@ -2127,7 +2127,7 @@
     </p:spTree>
     <p:extLst>
       <p:ext uri="{BB962C8B-B14F-4D97-AF65-F5344CB8AC3E}">
-        <p14:creationId xmlns:p14="http://schemas.microsoft.com/office/powerpoint/2010/main" val="194505891"/>
+        <p14:creationId xmlns:p14="http://schemas.microsoft.com/office/powerpoint/2010/main" val="3155828226"/>
       </p:ext>
     </p:extLst>
   </p:cSld>
@@ -2159,7 +2159,7 @@
           <p:cNvPr id="2" name="标题 1">
             <a:extLst>
               <a:ext uri="{FF2B5EF4-FFF2-40B4-BE49-F238E27FC236}">
-                <a16:creationId xmlns:a16="http://schemas.microsoft.com/office/drawing/2014/main" id="{EE169989-90DD-7894-3EB9-D5CCEBA0601C}"/>
+                <a16:creationId xmlns:a16="http://schemas.microsoft.com/office/drawing/2014/main" id="{1947F907-A71B-40A1-5043-4CE1C12B8D79}"/>
               </a:ext>
             </a:extLst>
           </p:cNvPr>
@@ -2196,7 +2196,7 @@
           <p:cNvPr id="3" name="内容占位符 2">
             <a:extLst>
               <a:ext uri="{FF2B5EF4-FFF2-40B4-BE49-F238E27FC236}">
-                <a16:creationId xmlns:a16="http://schemas.microsoft.com/office/drawing/2014/main" id="{934067E6-665B-3034-015C-752C8F585185}"/>
+                <a16:creationId xmlns:a16="http://schemas.microsoft.com/office/drawing/2014/main" id="{8583C147-26F6-8A5A-581D-9D866D358361}"/>
               </a:ext>
             </a:extLst>
           </p:cNvPr>
@@ -2286,7 +2286,7 @@
           <p:cNvPr id="4" name="文本占位符 3">
             <a:extLst>
               <a:ext uri="{FF2B5EF4-FFF2-40B4-BE49-F238E27FC236}">
-                <a16:creationId xmlns:a16="http://schemas.microsoft.com/office/drawing/2014/main" id="{98B06BE4-7D5E-4C28-D5B7-A4C996064C23}"/>
+                <a16:creationId xmlns:a16="http://schemas.microsoft.com/office/drawing/2014/main" id="{EB0E304D-52B2-FE8D-C402-E4FE762E5A66}"/>
               </a:ext>
             </a:extLst>
           </p:cNvPr>
@@ -2357,7 +2357,7 @@
           <p:cNvPr id="5" name="日期占位符 4">
             <a:extLst>
               <a:ext uri="{FF2B5EF4-FFF2-40B4-BE49-F238E27FC236}">
-                <a16:creationId xmlns:a16="http://schemas.microsoft.com/office/drawing/2014/main" id="{355E454B-113B-F875-F074-F2E2E560B031}"/>
+                <a16:creationId xmlns:a16="http://schemas.microsoft.com/office/drawing/2014/main" id="{00FF779F-ADED-7A99-BEF3-D8D43369F56E}"/>
               </a:ext>
             </a:extLst>
           </p:cNvPr>
@@ -2373,7 +2373,7 @@
           <a:bodyPr/>
           <a:lstStyle/>
           <a:p>
-            <a:fld id="{AEC96B65-C356-40CC-BB22-C3BD99DFCB70}" type="datetimeFigureOut">
+            <a:fld id="{A5C78EE3-348D-47F8-8EE9-F18658EF2520}" type="datetimeFigureOut">
               <a:rPr lang="zh-CN" altLang="en-US" smtClean="0"/>
               <a:t>2024/3/10</a:t>
             </a:fld>
@@ -2386,7 +2386,7 @@
           <p:cNvPr id="6" name="页脚占位符 5">
             <a:extLst>
               <a:ext uri="{FF2B5EF4-FFF2-40B4-BE49-F238E27FC236}">
-                <a16:creationId xmlns:a16="http://schemas.microsoft.com/office/drawing/2014/main" id="{2C118CF5-E1CA-0ADD-6528-48112E3652B8}"/>
+                <a16:creationId xmlns:a16="http://schemas.microsoft.com/office/drawing/2014/main" id="{CEE8B5CB-5483-033B-117E-C022C82840F4}"/>
               </a:ext>
             </a:extLst>
           </p:cNvPr>
@@ -2411,7 +2411,7 @@
           <p:cNvPr id="7" name="灯片编号占位符 6">
             <a:extLst>
               <a:ext uri="{FF2B5EF4-FFF2-40B4-BE49-F238E27FC236}">
-                <a16:creationId xmlns:a16="http://schemas.microsoft.com/office/drawing/2014/main" id="{C77F2C87-C680-0B31-3B4D-D9C898CDD1FD}"/>
+                <a16:creationId xmlns:a16="http://schemas.microsoft.com/office/drawing/2014/main" id="{7660ACF9-6E20-6F08-F47C-0D98B8DAA481}"/>
               </a:ext>
             </a:extLst>
           </p:cNvPr>
@@ -2427,7 +2427,7 @@
           <a:bodyPr/>
           <a:lstStyle/>
           <a:p>
-            <a:fld id="{6B334720-7283-466A-BE29-3A90A4B77B59}" type="slidenum">
+            <a:fld id="{A418DD87-024A-4B9A-B100-E8E875CFFC17}" type="slidenum">
               <a:rPr lang="zh-CN" altLang="en-US" smtClean="0"/>
               <a:t>‹#›</a:t>
             </a:fld>
@@ -2438,7 +2438,7 @@
     </p:spTree>
     <p:extLst>
       <p:ext uri="{BB962C8B-B14F-4D97-AF65-F5344CB8AC3E}">
-        <p14:creationId xmlns:p14="http://schemas.microsoft.com/office/powerpoint/2010/main" val="2446580784"/>
+        <p14:creationId xmlns:p14="http://schemas.microsoft.com/office/powerpoint/2010/main" val="1124438802"/>
       </p:ext>
     </p:extLst>
   </p:cSld>
@@ -2470,7 +2470,7 @@
           <p:cNvPr id="2" name="标题 1">
             <a:extLst>
               <a:ext uri="{FF2B5EF4-FFF2-40B4-BE49-F238E27FC236}">
-                <a16:creationId xmlns:a16="http://schemas.microsoft.com/office/drawing/2014/main" id="{3F46EF9A-EFB0-FE89-90D0-2C44DE72588A}"/>
+                <a16:creationId xmlns:a16="http://schemas.microsoft.com/office/drawing/2014/main" id="{C576019F-649E-9FBD-4177-0BFAD93E92DA}"/>
               </a:ext>
             </a:extLst>
           </p:cNvPr>
@@ -2507,7 +2507,7 @@
           <p:cNvPr id="3" name="图片占位符 2">
             <a:extLst>
               <a:ext uri="{FF2B5EF4-FFF2-40B4-BE49-F238E27FC236}">
-                <a16:creationId xmlns:a16="http://schemas.microsoft.com/office/drawing/2014/main" id="{DB5C276E-3D59-659E-7F18-445FBFF5C3FF}"/>
+                <a16:creationId xmlns:a16="http://schemas.microsoft.com/office/drawing/2014/main" id="{FDC8C64E-ABE5-B4DD-0FF8-81E84718F290}"/>
               </a:ext>
             </a:extLst>
           </p:cNvPr>
@@ -2574,7 +2574,7 @@
           <p:cNvPr id="4" name="文本占位符 3">
             <a:extLst>
               <a:ext uri="{FF2B5EF4-FFF2-40B4-BE49-F238E27FC236}">
-                <a16:creationId xmlns:a16="http://schemas.microsoft.com/office/drawing/2014/main" id="{E7382EBD-AF03-E9BA-6EBC-F0C5BF9DAD98}"/>
+                <a16:creationId xmlns:a16="http://schemas.microsoft.com/office/drawing/2014/main" id="{DC5CC654-0A55-B6D2-58B0-EE5459E6D5FE}"/>
               </a:ext>
             </a:extLst>
           </p:cNvPr>
@@ -2645,7 +2645,7 @@
           <p:cNvPr id="5" name="日期占位符 4">
             <a:extLst>
               <a:ext uri="{FF2B5EF4-FFF2-40B4-BE49-F238E27FC236}">
-                <a16:creationId xmlns:a16="http://schemas.microsoft.com/office/drawing/2014/main" id="{06957BDF-000D-8F5D-0C26-65C419C351D1}"/>
+                <a16:creationId xmlns:a16="http://schemas.microsoft.com/office/drawing/2014/main" id="{E43E79EA-12D6-D4CA-0F6F-FAEC9AB04D9C}"/>
               </a:ext>
             </a:extLst>
           </p:cNvPr>
@@ -2661,7 +2661,7 @@
           <a:bodyPr/>
           <a:lstStyle/>
           <a:p>
-            <a:fld id="{AEC96B65-C356-40CC-BB22-C3BD99DFCB70}" type="datetimeFigureOut">
+            <a:fld id="{A5C78EE3-348D-47F8-8EE9-F18658EF2520}" type="datetimeFigureOut">
               <a:rPr lang="zh-CN" altLang="en-US" smtClean="0"/>
               <a:t>2024/3/10</a:t>
             </a:fld>
@@ -2674,7 +2674,7 @@
           <p:cNvPr id="6" name="页脚占位符 5">
             <a:extLst>
               <a:ext uri="{FF2B5EF4-FFF2-40B4-BE49-F238E27FC236}">
-                <a16:creationId xmlns:a16="http://schemas.microsoft.com/office/drawing/2014/main" id="{CEE0A262-F7A3-8D54-CFBF-89E62728BA39}"/>
+                <a16:creationId xmlns:a16="http://schemas.microsoft.com/office/drawing/2014/main" id="{BBEECD93-B14E-1474-4A97-AF69D18BDED4}"/>
               </a:ext>
             </a:extLst>
           </p:cNvPr>
@@ -2699,7 +2699,7 @@
           <p:cNvPr id="7" name="灯片编号占位符 6">
             <a:extLst>
               <a:ext uri="{FF2B5EF4-FFF2-40B4-BE49-F238E27FC236}">
-                <a16:creationId xmlns:a16="http://schemas.microsoft.com/office/drawing/2014/main" id="{5F08B08C-92CC-6BE0-B73C-8584C48EDF16}"/>
+                <a16:creationId xmlns:a16="http://schemas.microsoft.com/office/drawing/2014/main" id="{31CD4CEF-45D1-8231-59C1-939561E7C785}"/>
               </a:ext>
             </a:extLst>
           </p:cNvPr>
@@ -2715,7 +2715,7 @@
           <a:bodyPr/>
           <a:lstStyle/>
           <a:p>
-            <a:fld id="{6B334720-7283-466A-BE29-3A90A4B77B59}" type="slidenum">
+            <a:fld id="{A418DD87-024A-4B9A-B100-E8E875CFFC17}" type="slidenum">
               <a:rPr lang="zh-CN" altLang="en-US" smtClean="0"/>
               <a:t>‹#›</a:t>
             </a:fld>
@@ -2726,7 +2726,7 @@
     </p:spTree>
     <p:extLst>
       <p:ext uri="{BB962C8B-B14F-4D97-AF65-F5344CB8AC3E}">
-        <p14:creationId xmlns:p14="http://schemas.microsoft.com/office/powerpoint/2010/main" val="2521481381"/>
+        <p14:creationId xmlns:p14="http://schemas.microsoft.com/office/powerpoint/2010/main" val="2693958497"/>
       </p:ext>
     </p:extLst>
   </p:cSld>
@@ -2763,7 +2763,7 @@
           <p:cNvPr id="2" name="标题占位符 1">
             <a:extLst>
               <a:ext uri="{FF2B5EF4-FFF2-40B4-BE49-F238E27FC236}">
-                <a16:creationId xmlns:a16="http://schemas.microsoft.com/office/drawing/2014/main" id="{D19CBEB3-03BD-A26E-5F8F-51372CE22139}"/>
+                <a16:creationId xmlns:a16="http://schemas.microsoft.com/office/drawing/2014/main" id="{61C5D2C8-4076-E631-CDAE-F6269E6066DF}"/>
               </a:ext>
             </a:extLst>
           </p:cNvPr>
@@ -2801,7 +2801,7 @@
           <p:cNvPr id="3" name="文本占位符 2">
             <a:extLst>
               <a:ext uri="{FF2B5EF4-FFF2-40B4-BE49-F238E27FC236}">
-                <a16:creationId xmlns:a16="http://schemas.microsoft.com/office/drawing/2014/main" id="{28C1B0F0-B81C-06D1-F542-876D6619900D}"/>
+                <a16:creationId xmlns:a16="http://schemas.microsoft.com/office/drawing/2014/main" id="{FE905163-1A81-6429-7F48-EC1BDBE077D2}"/>
               </a:ext>
             </a:extLst>
           </p:cNvPr>
@@ -2868,7 +2868,7 @@
           <p:cNvPr id="4" name="日期占位符 3">
             <a:extLst>
               <a:ext uri="{FF2B5EF4-FFF2-40B4-BE49-F238E27FC236}">
-                <a16:creationId xmlns:a16="http://schemas.microsoft.com/office/drawing/2014/main" id="{90B76FD1-3345-4003-1642-78BDE06FDA94}"/>
+                <a16:creationId xmlns:a16="http://schemas.microsoft.com/office/drawing/2014/main" id="{B1279D5A-96BB-9B65-1CB3-63EA862E1723}"/>
               </a:ext>
             </a:extLst>
           </p:cNvPr>
@@ -2902,7 +2902,7 @@
             </a:lvl1pPr>
           </a:lstStyle>
           <a:p>
-            <a:fld id="{AEC96B65-C356-40CC-BB22-C3BD99DFCB70}" type="datetimeFigureOut">
+            <a:fld id="{A5C78EE3-348D-47F8-8EE9-F18658EF2520}" type="datetimeFigureOut">
               <a:rPr lang="zh-CN" altLang="en-US" smtClean="0"/>
               <a:t>2024/3/10</a:t>
             </a:fld>
@@ -2915,7 +2915,7 @@
           <p:cNvPr id="5" name="页脚占位符 4">
             <a:extLst>
               <a:ext uri="{FF2B5EF4-FFF2-40B4-BE49-F238E27FC236}">
-                <a16:creationId xmlns:a16="http://schemas.microsoft.com/office/drawing/2014/main" id="{673704C7-3D1A-76F8-8677-CF3AA9E6DF01}"/>
+                <a16:creationId xmlns:a16="http://schemas.microsoft.com/office/drawing/2014/main" id="{06581B9E-B843-21F2-CC2B-73BD9F924A88}"/>
               </a:ext>
             </a:extLst>
           </p:cNvPr>
@@ -2958,7 +2958,7 @@
           <p:cNvPr id="6" name="灯片编号占位符 5">
             <a:extLst>
               <a:ext uri="{FF2B5EF4-FFF2-40B4-BE49-F238E27FC236}">
-                <a16:creationId xmlns:a16="http://schemas.microsoft.com/office/drawing/2014/main" id="{6777AD4E-8368-7E17-BDC1-D13DCF3F5633}"/>
+                <a16:creationId xmlns:a16="http://schemas.microsoft.com/office/drawing/2014/main" id="{19DA9EB5-19A4-4FB5-B004-DA87D40A9D69}"/>
               </a:ext>
             </a:extLst>
           </p:cNvPr>
@@ -2992,7 +2992,7 @@
             </a:lvl1pPr>
           </a:lstStyle>
           <a:p>
-            <a:fld id="{6B334720-7283-466A-BE29-3A90A4B77B59}" type="slidenum">
+            <a:fld id="{A418DD87-024A-4B9A-B100-E8E875CFFC17}" type="slidenum">
               <a:rPr lang="zh-CN" altLang="en-US" smtClean="0"/>
               <a:t>‹#›</a:t>
             </a:fld>
@@ -3003,7 +3003,7 @@
     </p:spTree>
     <p:extLst>
       <p:ext uri="{BB962C8B-B14F-4D97-AF65-F5344CB8AC3E}">
-        <p14:creationId xmlns:p14="http://schemas.microsoft.com/office/powerpoint/2010/main" val="4024289750"/>
+        <p14:creationId xmlns:p14="http://schemas.microsoft.com/office/powerpoint/2010/main" val="836090670"/>
       </p:ext>
     </p:extLst>
   </p:cSld>
@@ -3323,7 +3323,7 @@
       </p:grpSpPr>
       <p:pic>
         <p:nvPicPr>
-          <p:cNvPr id="1196034" name="Picture 2" descr="1167"/>
+          <p:cNvPr id="1197058" name="Picture 2" descr="1168"/>
           <p:cNvPicPr>
             <a:picLocks noChangeAspect="1" noChangeArrowheads="1"/>
           </p:cNvPicPr>
@@ -3344,8 +3344,8 @@
         </p:blipFill>
         <p:spPr bwMode="auto">
           <a:xfrm>
-            <a:off x="1524000" y="1"/>
-            <a:ext cx="9124950" cy="6843713"/>
+            <a:off x="1524000" y="12700"/>
+            <a:ext cx="9126538" cy="6845300"/>
           </a:xfrm>
           <a:prstGeom prst="rect">
             <a:avLst/>
@@ -3377,7 +3377,7 @@
       </p:pic>
       <p:pic>
         <p:nvPicPr>
-          <p:cNvPr id="1197059" name="Picture 3" descr="1167-2"/>
+          <p:cNvPr id="1198083" name="Picture 3" descr="1168-2"/>
           <p:cNvPicPr>
             <a:picLocks noChangeAspect="1" noChangeArrowheads="1"/>
           </p:cNvPicPr>
@@ -3398,8 +3398,72 @@
         </p:blipFill>
         <p:spPr bwMode="auto">
           <a:xfrm>
-            <a:off x="1524000" y="-14288"/>
-            <a:ext cx="9124950" cy="6872288"/>
+            <a:off x="1543050" y="0"/>
+            <a:ext cx="9124950" cy="6859588"/>
+          </a:xfrm>
+          <a:prstGeom prst="rect">
+            <a:avLst/>
+          </a:prstGeom>
+          <a:noFill/>
+          <a:ln>
+            <a:noFill/>
+          </a:ln>
+          <a:effectLst/>
+          <a:extLst>
+            <a:ext uri="{909E8E84-426E-40DD-AFC4-6F175D3DCCD1}">
+              <a14:hiddenFill xmlns:a14="http://schemas.microsoft.com/office/drawing/2010/main">
+                <a:solidFill>
+                  <a:srgbClr val="FFFFFF"/>
+                </a:solidFill>
+              </a14:hiddenFill>
+            </a:ext>
+            <a:ext uri="{91240B29-F687-4F45-9708-019B960494DF}">
+              <a14:hiddenLine xmlns:a14="http://schemas.microsoft.com/office/drawing/2010/main" w="9525">
+                <a:solidFill>
+                  <a:srgbClr val="000000"/>
+                </a:solidFill>
+                <a:miter lim="800000"/>
+                <a:headEnd/>
+                <a:tailEnd/>
+              </a14:hiddenLine>
+            </a:ext>
+            <a:ext uri="{AF507438-7753-43E0-B8FC-AC1667EBCBE1}">
+              <a14:hiddenEffects xmlns:a14="http://schemas.microsoft.com/office/drawing/2010/main">
+                <a:effectLst>
+                  <a:outerShdw dist="35921" dir="2700000" algn="ctr" rotWithShape="0">
+                    <a:srgbClr val="808080"/>
+                  </a:outerShdw>
+                </a:effectLst>
+              </a14:hiddenEffects>
+            </a:ext>
+          </a:extLst>
+        </p:spPr>
+      </p:pic>
+      <p:pic>
+        <p:nvPicPr>
+          <p:cNvPr id="1198084" name="Picture 4" descr="1168-3"/>
+          <p:cNvPicPr>
+            <a:picLocks noChangeAspect="1" noChangeArrowheads="1"/>
+          </p:cNvPicPr>
+          <p:nvPr/>
+        </p:nvPicPr>
+        <p:blipFill>
+          <a:blip r:embed="rId4">
+            <a:extLst>
+              <a:ext uri="{28A0092B-C50C-407E-A947-70E740481C1C}">
+                <a14:useLocalDpi xmlns:a14="http://schemas.microsoft.com/office/drawing/2010/main" val="0"/>
+              </a:ext>
+            </a:extLst>
+          </a:blip>
+          <a:srcRect/>
+          <a:stretch>
+            <a:fillRect/>
+          </a:stretch>
+        </p:blipFill>
+        <p:spPr bwMode="auto">
+          <a:xfrm>
+            <a:off x="1524000" y="1588"/>
+            <a:ext cx="9145588" cy="6858000"/>
           </a:xfrm>
           <a:prstGeom prst="rect">
             <a:avLst/>
@@ -3478,7 +3542,7 @@
                                           </p:stCondLst>
                                         </p:cTn>
                                         <p:tgtEl>
-                                          <p:spTgt spid="1197059"/>
+                                          <p:spTgt spid="1198083"/>
                                         </p:tgtEl>
                                         <p:attrNameLst>
                                           <p:attrName>style.visibility</p:attrName>
@@ -3492,7 +3556,60 @@
                                       <p:cBhvr>
                                         <p:cTn id="7" dur="500"/>
                                         <p:tgtEl>
-                                          <p:spTgt spid="1197059"/>
+                                          <p:spTgt spid="1198083"/>
+                                        </p:tgtEl>
+                                      </p:cBhvr>
+                                    </p:animEffect>
+                                  </p:childTnLst>
+                                </p:cTn>
+                              </p:par>
+                            </p:childTnLst>
+                          </p:cTn>
+                        </p:par>
+                      </p:childTnLst>
+                    </p:cTn>
+                  </p:par>
+                  <p:par>
+                    <p:cTn id="8" fill="hold" nodeType="clickPar">
+                      <p:stCondLst>
+                        <p:cond delay="indefinite"/>
+                      </p:stCondLst>
+                      <p:childTnLst>
+                        <p:par>
+                          <p:cTn id="9" fill="hold" nodeType="withGroup">
+                            <p:stCondLst>
+                              <p:cond delay="0"/>
+                            </p:stCondLst>
+                            <p:childTnLst>
+                              <p:par>
+                                <p:cTn id="10" presetID="10" presetClass="entr" presetSubtype="0" fill="hold" nodeType="clickEffect">
+                                  <p:stCondLst>
+                                    <p:cond delay="0"/>
+                                  </p:stCondLst>
+                                  <p:childTnLst>
+                                    <p:set>
+                                      <p:cBhvr>
+                                        <p:cTn id="11" dur="1" fill="hold">
+                                          <p:stCondLst>
+                                            <p:cond delay="0"/>
+                                          </p:stCondLst>
+                                        </p:cTn>
+                                        <p:tgtEl>
+                                          <p:spTgt spid="1198084"/>
+                                        </p:tgtEl>
+                                        <p:attrNameLst>
+                                          <p:attrName>style.visibility</p:attrName>
+                                        </p:attrNameLst>
+                                      </p:cBhvr>
+                                      <p:to>
+                                        <p:strVal val="visible"/>
+                                      </p:to>
+                                    </p:set>
+                                    <p:animEffect transition="in" filter="fade">
+                                      <p:cBhvr>
+                                        <p:cTn id="12" dur="500"/>
+                                        <p:tgtEl>
+                                          <p:spTgt spid="1198084"/>
                                         </p:tgtEl>
                                       </p:cBhvr>
                                     </p:animEffect>
